--- a/sampexlib/Concept Summaries/AGU Research Presentation (5min).pptx
+++ b/sampexlib/Concept Summaries/AGU Research Presentation (5min).pptx
@@ -200,7 +200,7 @@
           <a:p>
             <a:fld id="{BAFA784F-8BF9-4D54-82AD-0432A2BFBE04}" type="datetimeFigureOut">
               <a:rPr lang="en-US" smtClean="0"/>
-              <a:t>12/7/2021</a:t>
+              <a:t>12/13/2021</a:t>
             </a:fld>
             <a:endParaRPr lang="en-US"/>
           </a:p>
@@ -614,7 +614,7 @@
           <a:p>
             <a:fld id="{A9C2E571-38F2-4F73-B523-6EB95170224E}" type="datetimeFigureOut">
               <a:rPr lang="en-US" smtClean="0"/>
-              <a:t>12/7/2021</a:t>
+              <a:t>12/13/2021</a:t>
             </a:fld>
             <a:endParaRPr lang="en-US"/>
           </a:p>
@@ -812,7 +812,7 @@
           <a:p>
             <a:fld id="{A9C2E571-38F2-4F73-B523-6EB95170224E}" type="datetimeFigureOut">
               <a:rPr lang="en-US" smtClean="0"/>
-              <a:t>12/7/2021</a:t>
+              <a:t>12/13/2021</a:t>
             </a:fld>
             <a:endParaRPr lang="en-US"/>
           </a:p>
@@ -1020,7 +1020,7 @@
           <a:p>
             <a:fld id="{A9C2E571-38F2-4F73-B523-6EB95170224E}" type="datetimeFigureOut">
               <a:rPr lang="en-US" smtClean="0"/>
-              <a:t>12/7/2021</a:t>
+              <a:t>12/13/2021</a:t>
             </a:fld>
             <a:endParaRPr lang="en-US"/>
           </a:p>
@@ -1218,7 +1218,7 @@
           <a:p>
             <a:fld id="{A9C2E571-38F2-4F73-B523-6EB95170224E}" type="datetimeFigureOut">
               <a:rPr lang="en-US" smtClean="0"/>
-              <a:t>12/7/2021</a:t>
+              <a:t>12/13/2021</a:t>
             </a:fld>
             <a:endParaRPr lang="en-US"/>
           </a:p>
@@ -1493,7 +1493,7 @@
           <a:p>
             <a:fld id="{A9C2E571-38F2-4F73-B523-6EB95170224E}" type="datetimeFigureOut">
               <a:rPr lang="en-US" smtClean="0"/>
-              <a:t>12/7/2021</a:t>
+              <a:t>12/13/2021</a:t>
             </a:fld>
             <a:endParaRPr lang="en-US"/>
           </a:p>
@@ -1758,7 +1758,7 @@
           <a:p>
             <a:fld id="{A9C2E571-38F2-4F73-B523-6EB95170224E}" type="datetimeFigureOut">
               <a:rPr lang="en-US" smtClean="0"/>
-              <a:t>12/7/2021</a:t>
+              <a:t>12/13/2021</a:t>
             </a:fld>
             <a:endParaRPr lang="en-US"/>
           </a:p>
@@ -2170,7 +2170,7 @@
           <a:p>
             <a:fld id="{A9C2E571-38F2-4F73-B523-6EB95170224E}" type="datetimeFigureOut">
               <a:rPr lang="en-US" smtClean="0"/>
-              <a:t>12/7/2021</a:t>
+              <a:t>12/13/2021</a:t>
             </a:fld>
             <a:endParaRPr lang="en-US"/>
           </a:p>
@@ -2311,7 +2311,7 @@
           <a:p>
             <a:fld id="{A9C2E571-38F2-4F73-B523-6EB95170224E}" type="datetimeFigureOut">
               <a:rPr lang="en-US" smtClean="0"/>
-              <a:t>12/7/2021</a:t>
+              <a:t>12/13/2021</a:t>
             </a:fld>
             <a:endParaRPr lang="en-US"/>
           </a:p>
@@ -2424,7 +2424,7 @@
           <a:p>
             <a:fld id="{A9C2E571-38F2-4F73-B523-6EB95170224E}" type="datetimeFigureOut">
               <a:rPr lang="en-US" smtClean="0"/>
-              <a:t>12/7/2021</a:t>
+              <a:t>12/13/2021</a:t>
             </a:fld>
             <a:endParaRPr lang="en-US"/>
           </a:p>
@@ -2735,7 +2735,7 @@
           <a:p>
             <a:fld id="{A9C2E571-38F2-4F73-B523-6EB95170224E}" type="datetimeFigureOut">
               <a:rPr lang="en-US" smtClean="0"/>
-              <a:t>12/7/2021</a:t>
+              <a:t>12/13/2021</a:t>
             </a:fld>
             <a:endParaRPr lang="en-US"/>
           </a:p>
@@ -3023,7 +3023,7 @@
           <a:p>
             <a:fld id="{A9C2E571-38F2-4F73-B523-6EB95170224E}" type="datetimeFigureOut">
               <a:rPr lang="en-US" smtClean="0"/>
-              <a:t>12/7/2021</a:t>
+              <a:t>12/13/2021</a:t>
             </a:fld>
             <a:endParaRPr lang="en-US"/>
           </a:p>
@@ -3264,7 +3264,7 @@
           <a:p>
             <a:fld id="{A9C2E571-38F2-4F73-B523-6EB95170224E}" type="datetimeFigureOut">
               <a:rPr lang="en-US" smtClean="0"/>
-              <a:t>12/7/2021</a:t>
+              <a:t>12/13/2021</a:t>
             </a:fld>
             <a:endParaRPr lang="en-US"/>
           </a:p>
@@ -4028,87 +4028,12 @@
           <a:chExt cx="0" cy="0"/>
         </a:xfrm>
       </p:grpSpPr>
-      <p:sp>
-        <p:nvSpPr>
-          <p:cNvPr id="2" name="Title 1">
-            <a:extLst>
-              <a:ext uri="{FF2B5EF4-FFF2-40B4-BE49-F238E27FC236}">
-                <a16:creationId xmlns:a16="http://schemas.microsoft.com/office/drawing/2014/main" id="{A1312AEB-365B-49D0-9B4C-79C979E79A13}"/>
-              </a:ext>
-            </a:extLst>
-          </p:cNvPr>
-          <p:cNvSpPr>
-            <a:spLocks noGrp="1"/>
-          </p:cNvSpPr>
-          <p:nvPr>
-            <p:ph type="title"/>
-          </p:nvPr>
-        </p:nvSpPr>
-        <p:spPr/>
-        <p:txBody>
-          <a:bodyPr/>
-          <a:lstStyle/>
-          <a:p>
-            <a:r>
-              <a:rPr lang="en-US" dirty="0"/>
-              <a:t>Abstract</a:t>
-            </a:r>
-          </a:p>
-        </p:txBody>
-      </p:sp>
-      <p:sp>
-        <p:nvSpPr>
-          <p:cNvPr id="3" name="Content Placeholder 2">
-            <a:extLst>
-              <a:ext uri="{FF2B5EF4-FFF2-40B4-BE49-F238E27FC236}">
-                <a16:creationId xmlns:a16="http://schemas.microsoft.com/office/drawing/2014/main" id="{1F0663EC-6282-4A2E-844E-FB6534F72CC0}"/>
-              </a:ext>
-            </a:extLst>
-          </p:cNvPr>
-          <p:cNvSpPr>
-            <a:spLocks noGrp="1"/>
-          </p:cNvSpPr>
-          <p:nvPr>
-            <p:ph idx="1"/>
-          </p:nvPr>
-        </p:nvSpPr>
-        <p:spPr>
-          <a:xfrm>
-            <a:off x="838200" y="1825625"/>
-            <a:ext cx="5141976" cy="3240151"/>
-          </a:xfrm>
-        </p:spPr>
-        <p:txBody>
-          <a:bodyPr>
-            <a:noAutofit/>
-          </a:bodyPr>
-          <a:lstStyle/>
-          <a:p>
-            <a:r>
-              <a:rPr lang="en-US" sz="2000" dirty="0">
-                <a:latin typeface="Calibri (Body)"/>
-                <a:cs typeface="Calibri" panose="020F0502020204030204" pitchFamily="34" charset="0"/>
-              </a:rPr>
-              <a:t>This study uses electron count data from the SAMPEX satellite to calculate a qualitative measurement of electron pitch angle isotropy associated with microbursts</a:t>
-            </a:r>
-          </a:p>
-          <a:p>
-            <a:r>
-              <a:rPr lang="en-US" sz="2000" dirty="0">
-                <a:latin typeface="Calibri (Body)"/>
-                <a:cs typeface="Calibri" panose="020F0502020204030204" pitchFamily="34" charset="0"/>
-              </a:rPr>
-              <a:t>By correlating microburst isotropy with magnitude, L-Shell, MLT, Dst, and AE, we can better understand the electron loss mechanisms in the Earth’s radiation belts</a:t>
-            </a:r>
-          </a:p>
-        </p:txBody>
-      </p:sp>
       <p:pic>
         <p:nvPicPr>
-          <p:cNvPr id="2050" name="Picture 2" descr="SAMPEX: 20 Years Watching the Sun –">
-            <a:extLst>
-              <a:ext uri="{FF2B5EF4-FFF2-40B4-BE49-F238E27FC236}">
-                <a16:creationId xmlns:a16="http://schemas.microsoft.com/office/drawing/2014/main" id="{9D4D6021-F55E-4888-83A1-454D0F48E907}"/>
+          <p:cNvPr id="1026" name="Picture 2">
+            <a:extLst>
+              <a:ext uri="{FF2B5EF4-FFF2-40B4-BE49-F238E27FC236}">
+                <a16:creationId xmlns:a16="http://schemas.microsoft.com/office/drawing/2014/main" id="{9466195D-2205-44E7-BFF4-780EFCD95BD1}"/>
               </a:ext>
             </a:extLst>
           </p:cNvPr>
@@ -4132,8 +4057,8 @@
         </p:blipFill>
         <p:spPr bwMode="auto">
           <a:xfrm>
-            <a:off x="7525513" y="383509"/>
-            <a:ext cx="4033250" cy="2884231"/>
+            <a:off x="534422" y="3633325"/>
+            <a:ext cx="3388353" cy="2991452"/>
           </a:xfrm>
           <a:prstGeom prst="rect">
             <a:avLst/>
@@ -4150,245 +4075,127 @@
           </a:extLst>
         </p:spPr>
       </p:pic>
-    </p:spTree>
-    <p:extLst>
-      <p:ext uri="{BB962C8B-B14F-4D97-AF65-F5344CB8AC3E}">
-        <p14:creationId xmlns:p14="http://schemas.microsoft.com/office/powerpoint/2010/main" val="3172791020"/>
-      </p:ext>
-    </p:extLst>
-  </p:cSld>
-  <p:clrMapOvr>
-    <a:masterClrMapping/>
-  </p:clrMapOvr>
-</p:sld>
-</file>
-
-<file path=ppt/slides/slide3.xml><?xml version="1.0" encoding="utf-8"?>
-<p:sld xmlns:a="http://schemas.openxmlformats.org/drawingml/2006/main" xmlns:r="http://schemas.openxmlformats.org/officeDocument/2006/relationships" xmlns:p="http://schemas.openxmlformats.org/presentationml/2006/main">
-  <p:cSld>
-    <p:spTree>
-      <p:nvGrpSpPr>
-        <p:cNvPr id="1" name=""/>
-        <p:cNvGrpSpPr/>
-        <p:nvPr/>
-      </p:nvGrpSpPr>
-      <p:grpSpPr>
-        <a:xfrm>
-          <a:off x="0" y="0"/>
-          <a:ext cx="0" cy="0"/>
-          <a:chOff x="0" y="0"/>
-          <a:chExt cx="0" cy="0"/>
-        </a:xfrm>
-      </p:grpSpPr>
+      <p:sp>
+        <p:nvSpPr>
+          <p:cNvPr id="2" name="Title 1">
+            <a:extLst>
+              <a:ext uri="{FF2B5EF4-FFF2-40B4-BE49-F238E27FC236}">
+                <a16:creationId xmlns:a16="http://schemas.microsoft.com/office/drawing/2014/main" id="{A1312AEB-365B-49D0-9B4C-79C979E79A13}"/>
+              </a:ext>
+            </a:extLst>
+          </p:cNvPr>
+          <p:cNvSpPr>
+            <a:spLocks noGrp="1"/>
+          </p:cNvSpPr>
+          <p:nvPr>
+            <p:ph type="title"/>
+          </p:nvPr>
+        </p:nvSpPr>
+        <p:spPr/>
+        <p:txBody>
+          <a:bodyPr/>
+          <a:lstStyle/>
+          <a:p>
+            <a:r>
+              <a:rPr lang="en-US" dirty="0"/>
+              <a:t>Abstract</a:t>
+            </a:r>
+          </a:p>
+        </p:txBody>
+      </p:sp>
+      <p:sp>
+        <p:nvSpPr>
+          <p:cNvPr id="3" name="Content Placeholder 2">
+            <a:extLst>
+              <a:ext uri="{FF2B5EF4-FFF2-40B4-BE49-F238E27FC236}">
+                <a16:creationId xmlns:a16="http://schemas.microsoft.com/office/drawing/2014/main" id="{1F0663EC-6282-4A2E-844E-FB6534F72CC0}"/>
+              </a:ext>
+            </a:extLst>
+          </p:cNvPr>
+          <p:cNvSpPr>
+            <a:spLocks noGrp="1"/>
+          </p:cNvSpPr>
+          <p:nvPr>
+            <p:ph idx="1"/>
+          </p:nvPr>
+        </p:nvSpPr>
+        <p:spPr>
+          <a:xfrm>
+            <a:off x="927193" y="1810659"/>
+            <a:ext cx="5761118" cy="1325564"/>
+          </a:xfrm>
+        </p:spPr>
+        <p:txBody>
+          <a:bodyPr>
+            <a:noAutofit/>
+          </a:bodyPr>
+          <a:lstStyle/>
+          <a:p>
+            <a:r>
+              <a:rPr lang="en-US" sz="2000" dirty="0">
+                <a:latin typeface="Calibri (Body)"/>
+                <a:cs typeface="Calibri" panose="020F0502020204030204" pitchFamily="34" charset="0"/>
+              </a:rPr>
+              <a:t>This study uses electron count data from the SAMPEX satellite to calculate a qualitative measurement of electron pitch angle isotropy associated with </a:t>
+            </a:r>
+            <a:r>
+              <a:rPr lang="en-US" sz="2000" u="sng" dirty="0">
+                <a:latin typeface="Calibri (Body)"/>
+                <a:cs typeface="Calibri" panose="020F0502020204030204" pitchFamily="34" charset="0"/>
+              </a:rPr>
+              <a:t>microbursts</a:t>
+            </a:r>
+          </a:p>
+        </p:txBody>
+      </p:sp>
       <p:pic>
         <p:nvPicPr>
-          <p:cNvPr id="1034" name="Picture 10">
-            <a:extLst>
-              <a:ext uri="{FF2B5EF4-FFF2-40B4-BE49-F238E27FC236}">
-                <a16:creationId xmlns:a16="http://schemas.microsoft.com/office/drawing/2014/main" id="{C4304B1C-008F-495E-B375-D5C26078BE63}"/>
+          <p:cNvPr id="6" name="Picture 5">
+            <a:extLst>
+              <a:ext uri="{FF2B5EF4-FFF2-40B4-BE49-F238E27FC236}">
+                <a16:creationId xmlns:a16="http://schemas.microsoft.com/office/drawing/2014/main" id="{5A828A32-694E-4ECB-9B2A-FE7806A4A8D0}"/>
               </a:ext>
             </a:extLst>
           </p:cNvPr>
           <p:cNvPicPr>
-            <a:picLocks noChangeAspect="1" noChangeArrowheads="1"/>
+            <a:picLocks noChangeAspect="1"/>
           </p:cNvPicPr>
           <p:nvPr/>
         </p:nvPicPr>
         <p:blipFill>
-          <a:blip r:embed="rId2">
-            <a:extLst>
-              <a:ext uri="{28A0092B-C50C-407E-A947-70E740481C1C}">
-                <a14:useLocalDpi xmlns:a14="http://schemas.microsoft.com/office/drawing/2010/main" val="0"/>
-              </a:ext>
-            </a:extLst>
-          </a:blip>
-          <a:srcRect/>
+          <a:blip r:embed="rId3"/>
           <a:stretch>
             <a:fillRect/>
           </a:stretch>
         </p:blipFill>
-        <p:spPr bwMode="auto">
+        <p:spPr>
           <a:xfrm>
-            <a:off x="7772400" y="484894"/>
-            <a:ext cx="3901519" cy="3344158"/>
+            <a:off x="6974639" y="616420"/>
+            <a:ext cx="3533518" cy="3206597"/>
           </a:xfrm>
           <a:prstGeom prst="rect">
             <a:avLst/>
           </a:prstGeom>
-          <a:noFill/>
-          <a:extLst>
-            <a:ext uri="{909E8E84-426E-40DD-AFC4-6F175D3DCCD1}">
-              <a14:hiddenFill xmlns:a14="http://schemas.microsoft.com/office/drawing/2010/main">
-                <a:solidFill>
-                  <a:srgbClr val="FFFFFF"/>
-                </a:solidFill>
-              </a14:hiddenFill>
-            </a:ext>
-          </a:extLst>
         </p:spPr>
       </p:pic>
       <p:sp>
         <p:nvSpPr>
-          <p:cNvPr id="2" name="Title 1">
-            <a:extLst>
-              <a:ext uri="{FF2B5EF4-FFF2-40B4-BE49-F238E27FC236}">
-                <a16:creationId xmlns:a16="http://schemas.microsoft.com/office/drawing/2014/main" id="{115FFF59-A7F3-4D06-82DF-C621767722D0}"/>
-              </a:ext>
-            </a:extLst>
-          </p:cNvPr>
-          <p:cNvSpPr>
-            <a:spLocks noGrp="1"/>
-          </p:cNvSpPr>
-          <p:nvPr>
-            <p:ph type="title"/>
-          </p:nvPr>
-        </p:nvSpPr>
-        <p:spPr/>
-        <p:txBody>
-          <a:bodyPr/>
-          <a:lstStyle/>
-          <a:p>
-            <a:r>
-              <a:rPr lang="en-US" dirty="0"/>
-              <a:t>Key Findings</a:t>
-            </a:r>
-          </a:p>
-        </p:txBody>
-      </p:sp>
-      <p:pic>
-        <p:nvPicPr>
-          <p:cNvPr id="1032" name="Picture 8">
-            <a:extLst>
-              <a:ext uri="{FF2B5EF4-FFF2-40B4-BE49-F238E27FC236}">
-                <a16:creationId xmlns:a16="http://schemas.microsoft.com/office/drawing/2014/main" id="{872E3E74-A7CA-46E3-A4A0-78A2A5D3BBA4}"/>
-              </a:ext>
-            </a:extLst>
-          </p:cNvPr>
-          <p:cNvPicPr>
-            <a:picLocks noChangeAspect="1" noChangeArrowheads="1"/>
-          </p:cNvPicPr>
+          <p:cNvPr id="7" name="Content Placeholder 2">
+            <a:extLst>
+              <a:ext uri="{FF2B5EF4-FFF2-40B4-BE49-F238E27FC236}">
+                <a16:creationId xmlns:a16="http://schemas.microsoft.com/office/drawing/2014/main" id="{0BA8D32C-C077-4CD9-BB2E-5FAFE21BE57B}"/>
+              </a:ext>
+            </a:extLst>
+          </p:cNvPr>
+          <p:cNvSpPr txBox="1">
+            <a:spLocks/>
+          </p:cNvSpPr>
           <p:nvPr/>
-        </p:nvPicPr>
-        <p:blipFill rotWithShape="1">
-          <a:blip r:embed="rId3">
-            <a:extLst>
-              <a:ext uri="{28A0092B-C50C-407E-A947-70E740481C1C}">
-                <a14:useLocalDpi xmlns:a14="http://schemas.microsoft.com/office/drawing/2010/main" val="0"/>
-              </a:ext>
-            </a:extLst>
-          </a:blip>
-          <a:srcRect t="5535" b="1"/>
-          <a:stretch/>
-        </p:blipFill>
-        <p:spPr bwMode="auto">
-          <a:xfrm>
-            <a:off x="320337" y="3703320"/>
-            <a:ext cx="3388353" cy="2789555"/>
-          </a:xfrm>
-          <a:prstGeom prst="rect">
-            <a:avLst/>
-          </a:prstGeom>
-          <a:noFill/>
-          <a:extLst>
-            <a:ext uri="{909E8E84-426E-40DD-AFC4-6F175D3DCCD1}">
-              <a14:hiddenFill xmlns:a14="http://schemas.microsoft.com/office/drawing/2010/main">
-                <a:solidFill>
-                  <a:srgbClr val="FFFFFF"/>
-                </a:solidFill>
-              </a14:hiddenFill>
-            </a:ext>
-          </a:extLst>
-        </p:spPr>
-      </p:pic>
-      <p:sp>
-        <p:nvSpPr>
-          <p:cNvPr id="11" name="Content Placeholder 2">
-            <a:extLst>
-              <a:ext uri="{FF2B5EF4-FFF2-40B4-BE49-F238E27FC236}">
-                <a16:creationId xmlns:a16="http://schemas.microsoft.com/office/drawing/2014/main" id="{879E284C-E130-4205-B793-3A396FFD762F}"/>
-              </a:ext>
-            </a:extLst>
-          </p:cNvPr>
-          <p:cNvSpPr>
-            <a:spLocks noGrp="1"/>
-          </p:cNvSpPr>
-          <p:nvPr>
-            <p:ph idx="1"/>
-          </p:nvPr>
         </p:nvSpPr>
         <p:spPr>
           <a:xfrm>
-            <a:off x="362633" y="1627999"/>
-            <a:ext cx="7126303" cy="1526681"/>
-          </a:xfrm>
-        </p:spPr>
-        <p:txBody>
-          <a:bodyPr>
-            <a:noAutofit/>
-          </a:bodyPr>
-          <a:lstStyle/>
-          <a:p>
-            <a:pPr marL="800100" lvl="1" indent="-342900">
-              <a:lnSpc>
-                <a:spcPct val="100000"/>
-              </a:lnSpc>
-              <a:buFont typeface="Arial" panose="020B0604020202020204" pitchFamily="34" charset="0"/>
-              <a:buAutoNum type="arabicParenR"/>
-            </a:pPr>
-            <a:r>
-              <a:rPr lang="en-US" sz="2000" dirty="0">
-                <a:cs typeface="Calibri" panose="020F0502020204030204" pitchFamily="34" charset="0"/>
-              </a:rPr>
-              <a:t>High isotropy corresponds to more electron precipitation; low isotropy corresponds to less electron precipitation</a:t>
-            </a:r>
-          </a:p>
-          <a:p>
-            <a:pPr marL="800100" lvl="1" indent="-342900">
-              <a:lnSpc>
-                <a:spcPct val="100000"/>
-              </a:lnSpc>
-              <a:buFont typeface="Arial" panose="020B0604020202020204" pitchFamily="34" charset="0"/>
-              <a:buAutoNum type="arabicParenR"/>
-            </a:pPr>
-            <a:r>
-              <a:rPr lang="en-US" sz="2000" dirty="0">
-                <a:cs typeface="Calibri" panose="020F0502020204030204" pitchFamily="34" charset="0"/>
-              </a:rPr>
-              <a:t>Low magnitude microbursts are widely varying in isotropy; high magnitude microbursts are more isotropic</a:t>
-            </a:r>
-          </a:p>
-          <a:p>
-            <a:pPr marL="800100" lvl="1" indent="-342900">
-              <a:lnSpc>
-                <a:spcPct val="100000"/>
-              </a:lnSpc>
-              <a:buFont typeface="Arial" panose="020B0604020202020204" pitchFamily="34" charset="0"/>
-              <a:buAutoNum type="arabicParenR"/>
-            </a:pPr>
-            <a:endParaRPr lang="en-US" sz="2000" dirty="0">
-              <a:cs typeface="Calibri" panose="020F0502020204030204" pitchFamily="34" charset="0"/>
-            </a:endParaRPr>
-          </a:p>
-        </p:txBody>
-      </p:sp>
-      <p:sp>
-        <p:nvSpPr>
-          <p:cNvPr id="16" name="Content Placeholder 2">
-            <a:extLst>
-              <a:ext uri="{FF2B5EF4-FFF2-40B4-BE49-F238E27FC236}">
-                <a16:creationId xmlns:a16="http://schemas.microsoft.com/office/drawing/2014/main" id="{96D16650-2D16-47CF-B580-DE8056AD7278}"/>
-              </a:ext>
-            </a:extLst>
-          </p:cNvPr>
-          <p:cNvSpPr txBox="1">
-            <a:spLocks/>
-          </p:cNvSpPr>
-          <p:nvPr/>
-        </p:nvSpPr>
-        <p:spPr>
-          <a:xfrm>
-            <a:off x="3541855" y="4094557"/>
-            <a:ext cx="8287512" cy="2270887"/>
+            <a:off x="4498597" y="4338716"/>
+            <a:ext cx="6562206" cy="1325563"/>
           </a:xfrm>
           <a:prstGeom prst="rect">
             <a:avLst/>
@@ -4563,12 +4370,289 @@
             </a:lvl9pPr>
           </a:lstStyle>
           <a:p>
+            <a:r>
+              <a:rPr lang="en-US" sz="2000" dirty="0">
+                <a:latin typeface="Calibri (Body)"/>
+                <a:cs typeface="Calibri" panose="020F0502020204030204" pitchFamily="34" charset="0"/>
+              </a:rPr>
+              <a:t>By correlating microburst isotropy with magnitude, L-Shell, MLT, Dst, and AE, we can better understand the spatial and storm-time dependence of electron loss mechanisms in the Earth’s radiation belts</a:t>
+            </a:r>
+          </a:p>
+        </p:txBody>
+      </p:sp>
+      <p:sp>
+        <p:nvSpPr>
+          <p:cNvPr id="9" name="TextBox 8">
+            <a:extLst>
+              <a:ext uri="{FF2B5EF4-FFF2-40B4-BE49-F238E27FC236}">
+                <a16:creationId xmlns:a16="http://schemas.microsoft.com/office/drawing/2014/main" id="{E1A9BA85-F7EC-42E9-823D-688D0572DB56}"/>
+              </a:ext>
+            </a:extLst>
+          </p:cNvPr>
+          <p:cNvSpPr txBox="1"/>
+          <p:nvPr/>
+        </p:nvSpPr>
+        <p:spPr>
+          <a:xfrm>
+            <a:off x="8741398" y="3711535"/>
+            <a:ext cx="1701690" cy="246221"/>
+          </a:xfrm>
+          <a:prstGeom prst="rect">
+            <a:avLst/>
+          </a:prstGeom>
+          <a:noFill/>
+        </p:spPr>
+        <p:txBody>
+          <a:bodyPr wrap="square">
+            <a:spAutoFit/>
+          </a:bodyPr>
+          <a:lstStyle/>
+          <a:p>
+            <a:r>
+              <a:rPr lang="en-US" sz="1000" dirty="0"/>
+              <a:t>(From O’Brien et al, 2004)</a:t>
+            </a:r>
+          </a:p>
+        </p:txBody>
+      </p:sp>
+    </p:spTree>
+    <p:extLst>
+      <p:ext uri="{BB962C8B-B14F-4D97-AF65-F5344CB8AC3E}">
+        <p14:creationId xmlns:p14="http://schemas.microsoft.com/office/powerpoint/2010/main" val="3172791020"/>
+      </p:ext>
+    </p:extLst>
+  </p:cSld>
+  <p:clrMapOvr>
+    <a:masterClrMapping/>
+  </p:clrMapOvr>
+</p:sld>
+</file>
+
+<file path=ppt/slides/slide3.xml><?xml version="1.0" encoding="utf-8"?>
+<p:sld xmlns:a="http://schemas.openxmlformats.org/drawingml/2006/main" xmlns:r="http://schemas.openxmlformats.org/officeDocument/2006/relationships" xmlns:p="http://schemas.openxmlformats.org/presentationml/2006/main">
+  <p:cSld>
+    <p:spTree>
+      <p:nvGrpSpPr>
+        <p:cNvPr id="1" name=""/>
+        <p:cNvGrpSpPr/>
+        <p:nvPr/>
+      </p:nvGrpSpPr>
+      <p:grpSpPr>
+        <a:xfrm>
+          <a:off x="0" y="0"/>
+          <a:ext cx="0" cy="0"/>
+          <a:chOff x="0" y="0"/>
+          <a:chExt cx="0" cy="0"/>
+        </a:xfrm>
+      </p:grpSpPr>
+      <p:pic>
+        <p:nvPicPr>
+          <p:cNvPr id="1034" name="Picture 10">
+            <a:extLst>
+              <a:ext uri="{FF2B5EF4-FFF2-40B4-BE49-F238E27FC236}">
+                <a16:creationId xmlns:a16="http://schemas.microsoft.com/office/drawing/2014/main" id="{C4304B1C-008F-495E-B375-D5C26078BE63}"/>
+              </a:ext>
+            </a:extLst>
+          </p:cNvPr>
+          <p:cNvPicPr>
+            <a:picLocks noChangeAspect="1" noChangeArrowheads="1"/>
+          </p:cNvPicPr>
+          <p:nvPr/>
+        </p:nvPicPr>
+        <p:blipFill>
+          <a:blip r:embed="rId2">
+            <a:extLst>
+              <a:ext uri="{28A0092B-C50C-407E-A947-70E740481C1C}">
+                <a14:useLocalDpi xmlns:a14="http://schemas.microsoft.com/office/drawing/2010/main" val="0"/>
+              </a:ext>
+            </a:extLst>
+          </a:blip>
+          <a:srcRect/>
+          <a:stretch>
+            <a:fillRect/>
+          </a:stretch>
+        </p:blipFill>
+        <p:spPr bwMode="auto">
+          <a:xfrm>
+            <a:off x="7148474" y="552204"/>
+            <a:ext cx="3978860" cy="3410450"/>
+          </a:xfrm>
+          <a:prstGeom prst="rect">
+            <a:avLst/>
+          </a:prstGeom>
+          <a:noFill/>
+          <a:extLst>
+            <a:ext uri="{909E8E84-426E-40DD-AFC4-6F175D3DCCD1}">
+              <a14:hiddenFill xmlns:a14="http://schemas.microsoft.com/office/drawing/2010/main">
+                <a:solidFill>
+                  <a:srgbClr val="FFFFFF"/>
+                </a:solidFill>
+              </a14:hiddenFill>
+            </a:ext>
+          </a:extLst>
+        </p:spPr>
+      </p:pic>
+      <p:sp>
+        <p:nvSpPr>
+          <p:cNvPr id="2" name="Title 1">
+            <a:extLst>
+              <a:ext uri="{FF2B5EF4-FFF2-40B4-BE49-F238E27FC236}">
+                <a16:creationId xmlns:a16="http://schemas.microsoft.com/office/drawing/2014/main" id="{115FFF59-A7F3-4D06-82DF-C621767722D0}"/>
+              </a:ext>
+            </a:extLst>
+          </p:cNvPr>
+          <p:cNvSpPr>
+            <a:spLocks noGrp="1"/>
+          </p:cNvSpPr>
+          <p:nvPr>
+            <p:ph type="title"/>
+          </p:nvPr>
+        </p:nvSpPr>
+        <p:spPr/>
+        <p:txBody>
+          <a:bodyPr/>
+          <a:lstStyle/>
+          <a:p>
+            <a:r>
+              <a:rPr lang="en-US" dirty="0"/>
+              <a:t>Key Findings</a:t>
+            </a:r>
+          </a:p>
+        </p:txBody>
+      </p:sp>
+      <p:pic>
+        <p:nvPicPr>
+          <p:cNvPr id="1032" name="Picture 8">
+            <a:extLst>
+              <a:ext uri="{FF2B5EF4-FFF2-40B4-BE49-F238E27FC236}">
+                <a16:creationId xmlns:a16="http://schemas.microsoft.com/office/drawing/2014/main" id="{872E3E74-A7CA-46E3-A4A0-78A2A5D3BBA4}"/>
+              </a:ext>
+            </a:extLst>
+          </p:cNvPr>
+          <p:cNvPicPr>
+            <a:picLocks noChangeAspect="1" noChangeArrowheads="1"/>
+          </p:cNvPicPr>
+          <p:nvPr/>
+        </p:nvPicPr>
+        <p:blipFill rotWithShape="1">
+          <a:blip r:embed="rId3">
+            <a:extLst>
+              <a:ext uri="{28A0092B-C50C-407E-A947-70E740481C1C}">
+                <a14:useLocalDpi xmlns:a14="http://schemas.microsoft.com/office/drawing/2010/main" val="0"/>
+              </a:ext>
+            </a:extLst>
+          </a:blip>
+          <a:srcRect t="5535" b="1"/>
+          <a:stretch/>
+        </p:blipFill>
+        <p:spPr bwMode="auto">
+          <a:xfrm>
+            <a:off x="534423" y="3835222"/>
+            <a:ext cx="3388353" cy="2789555"/>
+          </a:xfrm>
+          <a:prstGeom prst="rect">
+            <a:avLst/>
+          </a:prstGeom>
+          <a:noFill/>
+          <a:extLst>
+            <a:ext uri="{909E8E84-426E-40DD-AFC4-6F175D3DCCD1}">
+              <a14:hiddenFill xmlns:a14="http://schemas.microsoft.com/office/drawing/2010/main">
+                <a:solidFill>
+                  <a:srgbClr val="FFFFFF"/>
+                </a:solidFill>
+              </a14:hiddenFill>
+            </a:ext>
+          </a:extLst>
+        </p:spPr>
+      </p:pic>
+      <p:sp>
+        <p:nvSpPr>
+          <p:cNvPr id="11" name="Content Placeholder 2">
+            <a:extLst>
+              <a:ext uri="{FF2B5EF4-FFF2-40B4-BE49-F238E27FC236}">
+                <a16:creationId xmlns:a16="http://schemas.microsoft.com/office/drawing/2014/main" id="{879E284C-E130-4205-B793-3A396FFD762F}"/>
+              </a:ext>
+            </a:extLst>
+          </p:cNvPr>
+          <p:cNvSpPr>
+            <a:spLocks noGrp="1"/>
+          </p:cNvSpPr>
+          <p:nvPr>
+            <p:ph idx="1"/>
+          </p:nvPr>
+        </p:nvSpPr>
+        <p:spPr>
+          <a:xfrm>
+            <a:off x="728394" y="1426778"/>
+            <a:ext cx="6193614" cy="1526681"/>
+          </a:xfrm>
+        </p:spPr>
+        <p:txBody>
+          <a:bodyPr>
+            <a:noAutofit/>
+          </a:bodyPr>
+          <a:lstStyle/>
+          <a:p>
             <a:pPr marL="800100" lvl="1" indent="-342900">
               <a:lnSpc>
                 <a:spcPct val="100000"/>
               </a:lnSpc>
               <a:buFont typeface="Arial" panose="020B0604020202020204" pitchFamily="34" charset="0"/>
-              <a:buAutoNum type="arabicParenR" startAt="3"/>
+              <a:buAutoNum type="arabicParenR"/>
+            </a:pPr>
+            <a:r>
+              <a:rPr lang="en-US" sz="2000" dirty="0">
+                <a:cs typeface="Calibri" panose="020F0502020204030204" pitchFamily="34" charset="0"/>
+              </a:rPr>
+              <a:t>Recap: High isotropy corresponds to more electron precipitation; low isotropy corresponds to less electron precipitation</a:t>
+            </a:r>
+          </a:p>
+          <a:p>
+            <a:pPr marL="800100" lvl="1" indent="-342900">
+              <a:lnSpc>
+                <a:spcPct val="100000"/>
+              </a:lnSpc>
+              <a:buFont typeface="Arial" panose="020B0604020202020204" pitchFamily="34" charset="0"/>
+              <a:buAutoNum type="arabicParenR"/>
+            </a:pPr>
+            <a:r>
+              <a:rPr lang="en-US" sz="2000" dirty="0">
+                <a:cs typeface="Calibri" panose="020F0502020204030204" pitchFamily="34" charset="0"/>
+              </a:rPr>
+              <a:t>Low magnitude microbursts are widely varying in isotropy; </a:t>
+            </a:r>
+            <a:r>
+              <a:rPr lang="en-US" sz="2000" u="sng" dirty="0">
+                <a:cs typeface="Calibri" panose="020F0502020204030204" pitchFamily="34" charset="0"/>
+              </a:rPr>
+              <a:t>high magnitude</a:t>
+            </a:r>
+            <a:r>
+              <a:rPr lang="en-US" sz="2000" dirty="0">
+                <a:cs typeface="Calibri" panose="020F0502020204030204" pitchFamily="34" charset="0"/>
+              </a:rPr>
+              <a:t> microbursts are </a:t>
+            </a:r>
+            <a:r>
+              <a:rPr lang="en-US" sz="2000" u="sng" dirty="0">
+                <a:cs typeface="Calibri" panose="020F0502020204030204" pitchFamily="34" charset="0"/>
+              </a:rPr>
+              <a:t>more isotropic</a:t>
+            </a:r>
+            <a:r>
+              <a:rPr lang="en-US" sz="2000" dirty="0">
+                <a:cs typeface="Calibri" panose="020F0502020204030204" pitchFamily="34" charset="0"/>
+              </a:rPr>
+              <a:t> (top right figure)</a:t>
+            </a:r>
+          </a:p>
+          <a:p>
+            <a:pPr marL="800100" lvl="1" indent="-342900">
+              <a:lnSpc>
+                <a:spcPct val="100000"/>
+              </a:lnSpc>
+              <a:buFont typeface="Arial" panose="020B0604020202020204" pitchFamily="34" charset="0"/>
+              <a:buAutoNum type="arabicParenR"/>
             </a:pPr>
             <a:endParaRPr lang="en-US" sz="2000" dirty="0">
               <a:cs typeface="Calibri" panose="020F0502020204030204" pitchFamily="34" charset="0"/>
@@ -4578,10 +4662,10 @@
       </p:sp>
       <p:sp>
         <p:nvSpPr>
-          <p:cNvPr id="17" name="Content Placeholder 2">
-            <a:extLst>
-              <a:ext uri="{FF2B5EF4-FFF2-40B4-BE49-F238E27FC236}">
-                <a16:creationId xmlns:a16="http://schemas.microsoft.com/office/drawing/2014/main" id="{0593C028-0F46-43D8-9F57-5A6DB9686936}"/>
+          <p:cNvPr id="16" name="Content Placeholder 2">
+            <a:extLst>
+              <a:ext uri="{FF2B5EF4-FFF2-40B4-BE49-F238E27FC236}">
+                <a16:creationId xmlns:a16="http://schemas.microsoft.com/office/drawing/2014/main" id="{96D16650-2D16-47CF-B580-DE8056AD7278}"/>
               </a:ext>
             </a:extLst>
           </p:cNvPr>
@@ -4592,7 +4676,7 @@
         </p:nvSpPr>
         <p:spPr>
           <a:xfrm>
-            <a:off x="3708690" y="4158272"/>
+            <a:off x="3541855" y="4094557"/>
             <a:ext cx="8287512" cy="2270887"/>
           </a:xfrm>
           <a:prstGeom prst="rect">
@@ -4775,14 +4859,203 @@
               <a:buFont typeface="Arial" panose="020B0604020202020204" pitchFamily="34" charset="0"/>
               <a:buAutoNum type="arabicParenR" startAt="3"/>
             </a:pPr>
-            <a:r>
-              <a:rPr lang="en-US" sz="2000" dirty="0">
-                <a:latin typeface="Calibri (Body)"/>
-                <a:cs typeface="Calibri" panose="020F0502020204030204" pitchFamily="34" charset="0"/>
-              </a:rPr>
-              <a:t>Microburst isotropy compared to background is highest in the evening magnetic local time region and lowest in the noon region</a:t>
-            </a:r>
-          </a:p>
+            <a:endParaRPr lang="en-US" sz="2000" dirty="0">
+              <a:cs typeface="Calibri" panose="020F0502020204030204" pitchFamily="34" charset="0"/>
+            </a:endParaRPr>
+          </a:p>
+        </p:txBody>
+      </p:sp>
+      <p:sp>
+        <p:nvSpPr>
+          <p:cNvPr id="17" name="Content Placeholder 2">
+            <a:extLst>
+              <a:ext uri="{FF2B5EF4-FFF2-40B4-BE49-F238E27FC236}">
+                <a16:creationId xmlns:a16="http://schemas.microsoft.com/office/drawing/2014/main" id="{0593C028-0F46-43D8-9F57-5A6DB9686936}"/>
+              </a:ext>
+            </a:extLst>
+          </p:cNvPr>
+          <p:cNvSpPr txBox="1">
+            <a:spLocks/>
+          </p:cNvSpPr>
+          <p:nvPr/>
+        </p:nvSpPr>
+        <p:spPr>
+          <a:xfrm>
+            <a:off x="3922776" y="4158272"/>
+            <a:ext cx="8073426" cy="2270887"/>
+          </a:xfrm>
+          <a:prstGeom prst="rect">
+            <a:avLst/>
+          </a:prstGeom>
+        </p:spPr>
+        <p:txBody>
+          <a:bodyPr vert="horz" lIns="91440" tIns="45720" rIns="91440" bIns="45720" rtlCol="0">
+            <a:noAutofit/>
+          </a:bodyPr>
+          <a:lstStyle>
+            <a:lvl1pPr marL="228600" indent="-228600" algn="l" defTabSz="914400" rtl="0" eaLnBrk="1" latinLnBrk="0" hangingPunct="1">
+              <a:lnSpc>
+                <a:spcPct val="90000"/>
+              </a:lnSpc>
+              <a:spcBef>
+                <a:spcPts val="1000"/>
+              </a:spcBef>
+              <a:buFont typeface="Arial" panose="020B0604020202020204" pitchFamily="34" charset="0"/>
+              <a:buChar char="•"/>
+              <a:defRPr sz="2800" kern="1200">
+                <a:solidFill>
+                  <a:schemeClr val="tx1"/>
+                </a:solidFill>
+                <a:latin typeface="+mn-lt"/>
+                <a:ea typeface="+mn-ea"/>
+                <a:cs typeface="+mn-cs"/>
+              </a:defRPr>
+            </a:lvl1pPr>
+            <a:lvl2pPr marL="685800" indent="-228600" algn="l" defTabSz="914400" rtl="0" eaLnBrk="1" latinLnBrk="0" hangingPunct="1">
+              <a:lnSpc>
+                <a:spcPct val="90000"/>
+              </a:lnSpc>
+              <a:spcBef>
+                <a:spcPts val="500"/>
+              </a:spcBef>
+              <a:buFont typeface="Arial" panose="020B0604020202020204" pitchFamily="34" charset="0"/>
+              <a:buChar char="•"/>
+              <a:defRPr sz="2400" kern="1200">
+                <a:solidFill>
+                  <a:schemeClr val="tx1"/>
+                </a:solidFill>
+                <a:latin typeface="+mn-lt"/>
+                <a:ea typeface="+mn-ea"/>
+                <a:cs typeface="+mn-cs"/>
+              </a:defRPr>
+            </a:lvl2pPr>
+            <a:lvl3pPr marL="1143000" indent="-228600" algn="l" defTabSz="914400" rtl="0" eaLnBrk="1" latinLnBrk="0" hangingPunct="1">
+              <a:lnSpc>
+                <a:spcPct val="90000"/>
+              </a:lnSpc>
+              <a:spcBef>
+                <a:spcPts val="500"/>
+              </a:spcBef>
+              <a:buFont typeface="Arial" panose="020B0604020202020204" pitchFamily="34" charset="0"/>
+              <a:buChar char="•"/>
+              <a:defRPr sz="2000" kern="1200">
+                <a:solidFill>
+                  <a:schemeClr val="tx1"/>
+                </a:solidFill>
+                <a:latin typeface="+mn-lt"/>
+                <a:ea typeface="+mn-ea"/>
+                <a:cs typeface="+mn-cs"/>
+              </a:defRPr>
+            </a:lvl3pPr>
+            <a:lvl4pPr marL="1600200" indent="-228600" algn="l" defTabSz="914400" rtl="0" eaLnBrk="1" latinLnBrk="0" hangingPunct="1">
+              <a:lnSpc>
+                <a:spcPct val="90000"/>
+              </a:lnSpc>
+              <a:spcBef>
+                <a:spcPts val="500"/>
+              </a:spcBef>
+              <a:buFont typeface="Arial" panose="020B0604020202020204" pitchFamily="34" charset="0"/>
+              <a:buChar char="•"/>
+              <a:defRPr sz="1800" kern="1200">
+                <a:solidFill>
+                  <a:schemeClr val="tx1"/>
+                </a:solidFill>
+                <a:latin typeface="+mn-lt"/>
+                <a:ea typeface="+mn-ea"/>
+                <a:cs typeface="+mn-cs"/>
+              </a:defRPr>
+            </a:lvl4pPr>
+            <a:lvl5pPr marL="2057400" indent="-228600" algn="l" defTabSz="914400" rtl="0" eaLnBrk="1" latinLnBrk="0" hangingPunct="1">
+              <a:lnSpc>
+                <a:spcPct val="90000"/>
+              </a:lnSpc>
+              <a:spcBef>
+                <a:spcPts val="500"/>
+              </a:spcBef>
+              <a:buFont typeface="Arial" panose="020B0604020202020204" pitchFamily="34" charset="0"/>
+              <a:buChar char="•"/>
+              <a:defRPr sz="1800" kern="1200">
+                <a:solidFill>
+                  <a:schemeClr val="tx1"/>
+                </a:solidFill>
+                <a:latin typeface="+mn-lt"/>
+                <a:ea typeface="+mn-ea"/>
+                <a:cs typeface="+mn-cs"/>
+              </a:defRPr>
+            </a:lvl5pPr>
+            <a:lvl6pPr marL="2514600" indent="-228600" algn="l" defTabSz="914400" rtl="0" eaLnBrk="1" latinLnBrk="0" hangingPunct="1">
+              <a:lnSpc>
+                <a:spcPct val="90000"/>
+              </a:lnSpc>
+              <a:spcBef>
+                <a:spcPts val="500"/>
+              </a:spcBef>
+              <a:buFont typeface="Arial" panose="020B0604020202020204" pitchFamily="34" charset="0"/>
+              <a:buChar char="•"/>
+              <a:defRPr sz="1800" kern="1200">
+                <a:solidFill>
+                  <a:schemeClr val="tx1"/>
+                </a:solidFill>
+                <a:latin typeface="+mn-lt"/>
+                <a:ea typeface="+mn-ea"/>
+                <a:cs typeface="+mn-cs"/>
+              </a:defRPr>
+            </a:lvl6pPr>
+            <a:lvl7pPr marL="2971800" indent="-228600" algn="l" defTabSz="914400" rtl="0" eaLnBrk="1" latinLnBrk="0" hangingPunct="1">
+              <a:lnSpc>
+                <a:spcPct val="90000"/>
+              </a:lnSpc>
+              <a:spcBef>
+                <a:spcPts val="500"/>
+              </a:spcBef>
+              <a:buFont typeface="Arial" panose="020B0604020202020204" pitchFamily="34" charset="0"/>
+              <a:buChar char="•"/>
+              <a:defRPr sz="1800" kern="1200">
+                <a:solidFill>
+                  <a:schemeClr val="tx1"/>
+                </a:solidFill>
+                <a:latin typeface="+mn-lt"/>
+                <a:ea typeface="+mn-ea"/>
+                <a:cs typeface="+mn-cs"/>
+              </a:defRPr>
+            </a:lvl7pPr>
+            <a:lvl8pPr marL="3429000" indent="-228600" algn="l" defTabSz="914400" rtl="0" eaLnBrk="1" latinLnBrk="0" hangingPunct="1">
+              <a:lnSpc>
+                <a:spcPct val="90000"/>
+              </a:lnSpc>
+              <a:spcBef>
+                <a:spcPts val="500"/>
+              </a:spcBef>
+              <a:buFont typeface="Arial" panose="020B0604020202020204" pitchFamily="34" charset="0"/>
+              <a:buChar char="•"/>
+              <a:defRPr sz="1800" kern="1200">
+                <a:solidFill>
+                  <a:schemeClr val="tx1"/>
+                </a:solidFill>
+                <a:latin typeface="+mn-lt"/>
+                <a:ea typeface="+mn-ea"/>
+                <a:cs typeface="+mn-cs"/>
+              </a:defRPr>
+            </a:lvl8pPr>
+            <a:lvl9pPr marL="3886200" indent="-228600" algn="l" defTabSz="914400" rtl="0" eaLnBrk="1" latinLnBrk="0" hangingPunct="1">
+              <a:lnSpc>
+                <a:spcPct val="90000"/>
+              </a:lnSpc>
+              <a:spcBef>
+                <a:spcPts val="500"/>
+              </a:spcBef>
+              <a:buFont typeface="Arial" panose="020B0604020202020204" pitchFamily="34" charset="0"/>
+              <a:buChar char="•"/>
+              <a:defRPr sz="1800" kern="1200">
+                <a:solidFill>
+                  <a:schemeClr val="tx1"/>
+                </a:solidFill>
+                <a:latin typeface="+mn-lt"/>
+                <a:ea typeface="+mn-ea"/>
+                <a:cs typeface="+mn-cs"/>
+              </a:defRPr>
+            </a:lvl9pPr>
+          </a:lstStyle>
           <a:p>
             <a:pPr marL="800100" lvl="1" indent="-342900">
               <a:lnSpc>
@@ -4796,7 +5069,79 @@
                 <a:latin typeface="Calibri (Body)"/>
                 <a:cs typeface="Calibri" panose="020F0502020204030204" pitchFamily="34" charset="0"/>
               </a:rPr>
-              <a:t>Microburst isotropy compared to background is highest during the initial phase and lowest during the recovery phase of intense geomagnetic storms</a:t>
+              <a:t>Microburst isotropy compared to background is </a:t>
+            </a:r>
+            <a:r>
+              <a:rPr lang="en-US" sz="2000" u="sng" dirty="0">
+                <a:latin typeface="Calibri (Body)"/>
+                <a:cs typeface="Calibri" panose="020F0502020204030204" pitchFamily="34" charset="0"/>
+              </a:rPr>
+              <a:t>highest in the evening</a:t>
+            </a:r>
+            <a:r>
+              <a:rPr lang="en-US" sz="2000" dirty="0">
+                <a:latin typeface="Calibri (Body)"/>
+                <a:cs typeface="Calibri" panose="020F0502020204030204" pitchFamily="34" charset="0"/>
+              </a:rPr>
+              <a:t> magnetic local time region and </a:t>
+            </a:r>
+            <a:r>
+              <a:rPr lang="en-US" sz="2000" u="sng" dirty="0">
+                <a:latin typeface="Calibri (Body)"/>
+                <a:cs typeface="Calibri" panose="020F0502020204030204" pitchFamily="34" charset="0"/>
+              </a:rPr>
+              <a:t>lowest in the noon</a:t>
+            </a:r>
+            <a:r>
+              <a:rPr lang="en-US" sz="2000" dirty="0">
+                <a:latin typeface="Calibri (Body)"/>
+                <a:cs typeface="Calibri" panose="020F0502020204030204" pitchFamily="34" charset="0"/>
+              </a:rPr>
+              <a:t> region (bottom left figure)</a:t>
+            </a:r>
+          </a:p>
+          <a:p>
+            <a:pPr marL="800100" lvl="1" indent="-342900">
+              <a:lnSpc>
+                <a:spcPct val="100000"/>
+              </a:lnSpc>
+              <a:buFont typeface="Arial" panose="020B0604020202020204" pitchFamily="34" charset="0"/>
+              <a:buAutoNum type="arabicParenR" startAt="3"/>
+            </a:pPr>
+            <a:r>
+              <a:rPr lang="en-US" sz="2000" dirty="0">
+                <a:latin typeface="Calibri (Body)"/>
+                <a:cs typeface="Calibri" panose="020F0502020204030204" pitchFamily="34" charset="0"/>
+              </a:rPr>
+              <a:t>Microburst isotropy compared to background is </a:t>
+            </a:r>
+            <a:r>
+              <a:rPr lang="en-US" sz="2000" u="sng" dirty="0">
+                <a:latin typeface="Calibri (Body)"/>
+                <a:cs typeface="Calibri" panose="020F0502020204030204" pitchFamily="34" charset="0"/>
+              </a:rPr>
+              <a:t>highest during the initial phase</a:t>
+            </a:r>
+            <a:r>
+              <a:rPr lang="en-US" sz="2000" dirty="0">
+                <a:latin typeface="Calibri (Body)"/>
+                <a:cs typeface="Calibri" panose="020F0502020204030204" pitchFamily="34" charset="0"/>
+              </a:rPr>
+              <a:t> and </a:t>
+            </a:r>
+            <a:r>
+              <a:rPr lang="en-US" sz="2000" u="sng" dirty="0">
+                <a:latin typeface="Calibri (Body)"/>
+                <a:cs typeface="Calibri" panose="020F0502020204030204" pitchFamily="34" charset="0"/>
+              </a:rPr>
+              <a:t>lowest during the recovery phase</a:t>
+            </a:r>
+            <a:r>
+              <a:rPr lang="en-US" sz="2000" dirty="0">
+                <a:latin typeface="Calibri (Body)"/>
+                <a:cs typeface="Calibri" panose="020F0502020204030204" pitchFamily="34" charset="0"/>
+              </a:rPr>
+              <a:t> of intense geomagnetic storms (figure not shown)</a:t>
             </a:r>
             <a:endParaRPr lang="en-US" sz="2000" dirty="0">
               <a:cs typeface="Calibri" panose="020F0502020204030204" pitchFamily="34" charset="0"/>
@@ -4854,8 +5199,8 @@
         </p:nvSpPr>
         <p:spPr>
           <a:xfrm>
-            <a:off x="320337" y="3429000"/>
-            <a:ext cx="3110077" cy="230832"/>
+            <a:off x="367770" y="3589001"/>
+            <a:ext cx="3110077" cy="246221"/>
           </a:xfrm>
           <a:prstGeom prst="rect">
             <a:avLst/>
@@ -4869,7 +5214,7 @@
           <a:p>
             <a:pPr algn="ctr"/>
             <a:r>
-              <a:rPr lang="en-US" sz="900" dirty="0">
+              <a:rPr lang="en-US" sz="1000" dirty="0">
                 <a:solidFill>
                   <a:srgbClr val="292929"/>
                 </a:solidFill>
